--- a/lab3/BuildLinuxSystem.pptx
+++ b/lab3/BuildLinuxSystem.pptx
@@ -3150,7 +3150,7 @@
         </p:spPr>
         <p:txBody>
           <a:bodyPr>
-            <a:normAutofit lnSpcReduction="20000"/>
+            <a:normAutofit fontScale="90000"/>
           </a:bodyPr>
           <a:lstStyle/>
           <a:p>
@@ -3172,7 +3172,18 @@
               <a:defRPr sz="3275"/>
             </a:pPr>
             <a:r>
-              <a:t>dd if=/dev/zero of=rootfs.img bs=4096 count=1024</a:t>
+              <a:t>dd if=/dev/zero of=rootfs.img bs=</a:t>
+            </a:r>
+            <a:r>
+              <a:rPr lang="en-US"/>
+              <a:t>1M</a:t>
+            </a:r>
+            <a:r>
+              <a:t> count=</a:t>
+            </a:r>
+            <a:r>
+              <a:rPr lang="en-US"/>
+              <a:t>128</a:t>
             </a:r>
           </a:p>
           <a:p>
@@ -3183,7 +3194,14 @@
               <a:defRPr sz="3275"/>
             </a:pPr>
             <a:r>
-              <a:t>mkfs.ext3 rootfs.img</a:t>
+              <a:t>mkfs.ext</a:t>
+            </a:r>
+            <a:r>
+              <a:rPr lang="en-US"/>
+              <a:t>4</a:t>
+            </a:r>
+            <a:r>
+              <a:t> rootfs.img</a:t>
             </a:r>
           </a:p>
           <a:p>
@@ -3255,6 +3273,36 @@
               </a:rPr>
               <a:t>/etc/network/interfaces添加</a:t>
             </a:r>
+            <a:r>
+              <a:rPr lang="en-US" altLang="zh-CN">
+                <a:ea typeface="宋体" panose="02010600030101010101" pitchFamily="2" charset="-122"/>
+              </a:rPr>
+              <a:t>lo</a:t>
+            </a:r>
+            <a:r>
+              <a:rPr lang="zh-CN" altLang="en-US">
+                <a:ea typeface="宋体" panose="02010600030101010101" pitchFamily="2" charset="-122"/>
+              </a:rPr>
+              <a:t>设备，可以直接拷贝</a:t>
+            </a:r>
+            <a:r>
+              <a:rPr lang="en-US" altLang="zh-CN">
+                <a:ea typeface="宋体" panose="02010600030101010101" pitchFamily="2" charset="-122"/>
+              </a:rPr>
+              <a:t>ubuntu</a:t>
+            </a:r>
+            <a:r>
+              <a:rPr lang="zh-CN" altLang="en-US">
+                <a:ea typeface="宋体" panose="02010600030101010101" pitchFamily="2" charset="-122"/>
+              </a:rPr>
+              <a:t>下的</a:t>
+            </a:r>
+            <a:r>
+              <a:rPr lang="en-US" altLang="zh-CN">
+                <a:ea typeface="宋体" panose="02010600030101010101" pitchFamily="2" charset="-122"/>
+              </a:rPr>
+              <a:t>/etc/network/interfaces</a:t>
+            </a:r>
             <a:endParaRPr lang="zh-CN">
               <a:ea typeface="宋体" panose="02010600030101010101" pitchFamily="2" charset="-122"/>
             </a:endParaRPr>
@@ -3289,6 +3337,17 @@
             <a:r>
               <a:t>/boot/bzImage -hda rootfs.img -append "root=/dev/sda init=/bin/ash"</a:t>
             </a:r>
+            <a:endParaRPr>
+              <a:sym typeface="+mn-ea"/>
+            </a:endParaRPr>
+          </a:p>
+          <a:p>
+            <a:pPr marL="400050" indent="-400050" defTabSz="520065">
+              <a:spcBef>
+                <a:spcPts val="3700"/>
+              </a:spcBef>
+              <a:defRPr sz="3275"/>
+            </a:pPr>
           </a:p>
         </p:txBody>
       </p:sp>
@@ -3545,6 +3604,9 @@
               </a:rPr>
               <a:t>在qemu中启动gdb server</a:t>
             </a:r>
+            <a:endParaRPr>
+              <a:sym typeface="+mn-ea"/>
+            </a:endParaRPr>
           </a:p>
         </p:txBody>
       </p:sp>
@@ -3563,7 +3625,7 @@
         </p:spPr>
         <p:txBody>
           <a:bodyPr>
-            <a:normAutofit lnSpcReduction="10000"/>
+            <a:normAutofit fontScale="90000" lnSpcReduction="20000"/>
           </a:bodyPr>
           <a:lstStyle/>
           <a:p>
@@ -3577,7 +3639,14 @@
               <a:t>_64</a:t>
             </a:r>
             <a:r>
-              <a:t>/boot/bzImage -hda rootfs.img -append "root=/dev/sda init=/init" -s -S</a:t>
+              <a:t>/boot/bzImage -hda rootfs.img -append "root=/dev/sda init=/init </a:t>
+            </a:r>
+            <a:r>
+              <a:rPr lang="en-US"/>
+              <a:t>nokaslr</a:t>
+            </a:r>
+            <a:r>
+              <a:t>" -s -S</a:t>
             </a:r>
           </a:p>
           <a:p>
@@ -3598,6 +3667,17 @@
           <a:p>
             <a:r>
               <a:t>-s shorthand for -gdb tcp::1234 若不想使用1234端口，则可以使用-gdb tcp:xxxx来取代-s选项</a:t>
+            </a:r>
+          </a:p>
+          <a:p>
+            <a:r>
+              <a:rPr lang="en-US">
+                <a:sym typeface="+mn-ea"/>
+              </a:rPr>
+              <a:t>nokaslr</a:t>
+            </a:r>
+            <a:r>
+              <a:t> KASLR是kernel address space layout randomization的缩写</a:t>
             </a:r>
           </a:p>
         </p:txBody>
@@ -4499,7 +4579,17 @@
           </a:p>
           <a:p>
             <a:r>
-              <a:t>qemu-system-i386 -kernel linux-5.0.1/arch/x86/boot/bzImage</a:t>
+              <a:t>qemu-system-i386 -kernel linux-5.0.1/arch/x86/boot/bzImage </a:t>
+            </a:r>
+            <a:r>
+              <a:rPr lang="en-US"/>
+              <a:t># </a:t>
+            </a:r>
+            <a:r>
+              <a:rPr>
+                <a:sym typeface="+mn-ea"/>
+              </a:rPr>
+              <a:t>make i386_defconfig</a:t>
             </a:r>
           </a:p>
           <a:p>
@@ -4588,7 +4678,9 @@
           </a:prstGeom>
         </p:spPr>
         <p:txBody>
-          <a:bodyPr/>
+          <a:bodyPr>
+            <a:normAutofit fontScale="70000"/>
+          </a:bodyPr>
           <a:lstStyle/>
           <a:p>
             <a:pPr marL="603250" indent="-603250" defTabSz="784225">
@@ -4658,7 +4750,33 @@
               <a:defRPr sz="4940"/>
             </a:pPr>
             <a:r>
-              <a:t>qemu-system-i386 -kernel linux-5.0.1/arch/x86/boot/bzImage -initrd rootfs.img # 配置内核make i386_defconfig</a:t>
+              <a:t>qemu-system-i386 -kernel linux-5.0.1/arch/x86/boot/bzImage -initrd rootfs.img # make i386_defconfig</a:t>
+            </a:r>
+          </a:p>
+          <a:p>
+            <a:pPr marL="603250" indent="-603250" defTabSz="784225">
+              <a:spcBef>
+                <a:spcPts val="5600"/>
+              </a:spcBef>
+              <a:defRPr sz="4940"/>
+            </a:pPr>
+            <a:r>
+              <a:rPr>
+                <a:sym typeface="+mn-ea"/>
+              </a:rPr>
+              <a:t>qemu-system-x86_64 -kernel linux-5.0.1/arch/x86</a:t>
+            </a:r>
+            <a:r>
+              <a:rPr>
+                <a:sym typeface="+mn-ea"/>
+              </a:rPr>
+              <a:t>_64</a:t>
+            </a:r>
+            <a:r>
+              <a:rPr>
+                <a:sym typeface="+mn-ea"/>
+              </a:rPr>
+              <a:t>/boot/bzImage  -initrd rootfs.img</a:t>
             </a:r>
           </a:p>
         </p:txBody>
